--- a/MSSQL.E03/MSSQL.E03.pptx
+++ b/MSSQL.E03/MSSQL.E03.pptx
@@ -414,7 +414,7 @@
           <a:p>
             <a:fld id="{7F5E9BF7-95E4-A242-BA1D-05FDCF603BE6}" type="datetime1">
               <a:rPr lang="en-US" smtClean="0"/>
-              <a:t>9/25/2021</a:t>
+              <a:t>11/22/2021</a:t>
             </a:fld>
             <a:endParaRPr lang="en-US"/>
           </a:p>
@@ -580,7 +580,7 @@
           <a:p>
             <a:fld id="{165DBCB1-0306-AD41-9452-11E7C08D5C04}" type="datetime1">
               <a:rPr lang="en-US" smtClean="0"/>
-              <a:t>9/25/2021</a:t>
+              <a:t>11/21/2021</a:t>
             </a:fld>
             <a:endParaRPr lang="en-US"/>
           </a:p>
@@ -13233,7 +13233,7 @@
           </a:ln>
           <a:extLst>
             <a:ext uri="{C572A759-6A51-4108-AA02-DFA0A04FC94B}">
-              <ma14:wrappingTextBoxFlag xmlns="" xmlns:ma14="http://schemas.microsoft.com/office/mac/drawingml/2011/main" val="1"/>
+              <ma14:wrappingTextBoxFlag xmlns:ma14="http://schemas.microsoft.com/office/mac/drawingml/2011/main" xmlns="" val="1"/>
             </a:ext>
           </a:extLst>
         </p:spPr>
@@ -25322,7 +25322,7 @@
           <a:p>
             <a:r>
               <a:rPr lang="en-US" dirty="0"/>
-              <a:t>November 14, 2021</a:t>
+              <a:t>November 23, 2021</a:t>
             </a:r>
           </a:p>
         </p:txBody>
@@ -32838,8 +32838,8 @@
         </p:nvSpPr>
         <p:spPr>
           <a:xfrm>
-            <a:off x="3155195" y="1422400"/>
-            <a:ext cx="5562510" cy="2544293"/>
+            <a:off x="2605068" y="1260862"/>
+            <a:ext cx="6181744" cy="3290849"/>
           </a:xfrm>
           <a:prstGeom prst="rect">
             <a:avLst/>
@@ -33092,12 +33092,64 @@
             </a:pPr>
             <a:r>
               <a:rPr lang="en-US" sz="1600" b="1" dirty="0"/>
+              <a:t>RANGE UNBOUNDED PRECEDING AND </a:t>
+            </a:r>
+            <a:r>
+              <a:rPr lang="en-US" sz="1600" b="1" dirty="0">
+                <a:solidFill>
+                  <a:srgbClr val="444444"/>
+                </a:solidFill>
+                <a:ea typeface="ＭＳ Ｐゴシック" pitchFamily="34" charset="-128"/>
+              </a:rPr>
+              <a:t>UNBOUNDED FOLLOWING </a:t>
+            </a:r>
+            <a:r>
+              <a:rPr lang="en-US" sz="1600" dirty="0"/>
+              <a:t>is used as default for window frame when ORDER BY is not provided</a:t>
+            </a:r>
+          </a:p>
+          <a:p>
+            <a:pPr marL="173736" lvl="2" indent="-173736">
+              <a:lnSpc>
+                <a:spcPct val="110000"/>
+              </a:lnSpc>
+              <a:spcBef>
+                <a:spcPts val="0"/>
+              </a:spcBef>
+              <a:spcAft>
+                <a:spcPts val="1300"/>
+              </a:spcAft>
+              <a:buClr>
+                <a:srgbClr val="2FC2D9"/>
+              </a:buClr>
+              <a:defRPr/>
+            </a:pPr>
+            <a:r>
+              <a:rPr lang="en-US" sz="1600" b="1" dirty="0"/>
               <a:t>RANGE UNBOUNDED PRECEDING AND CURRENT ROW </a:t>
             </a:r>
             <a:r>
               <a:rPr lang="en-US" sz="1600" dirty="0"/>
-              <a:t>is used as default for window frame</a:t>
-            </a:r>
+              <a:t>is used as default for window frame when ORDER BY is provided</a:t>
+            </a:r>
+          </a:p>
+          <a:p>
+            <a:pPr marL="173736" lvl="2" indent="-173736">
+              <a:lnSpc>
+                <a:spcPct val="110000"/>
+              </a:lnSpc>
+              <a:spcBef>
+                <a:spcPts val="0"/>
+              </a:spcBef>
+              <a:spcAft>
+                <a:spcPts val="1300"/>
+              </a:spcAft>
+              <a:buClr>
+                <a:srgbClr val="2FC2D9"/>
+              </a:buClr>
+              <a:defRPr/>
+            </a:pPr>
+            <a:endParaRPr lang="en-US" sz="1600" dirty="0"/>
           </a:p>
           <a:p>
             <a:pPr marL="173736" lvl="2" indent="-173736">
@@ -37243,6 +37295,12 @@
 </file>
 
 <file path=customXml/item1.xml><?xml version="1.0" encoding="utf-8"?>
+<p:properties xmlns:p="http://schemas.microsoft.com/office/2006/metadata/properties" xmlns:xsi="http://www.w3.org/2001/XMLSchema-instance" xmlns:pc="http://schemas.microsoft.com/office/infopath/2007/PartnerControls">
+  <documentManagement/>
+</p:properties>
+</file>
+
+<file path=customXml/item2.xml><?xml version="1.0" encoding="utf-8"?>
 <ct:contentTypeSchema xmlns:ct="http://schemas.microsoft.com/office/2006/metadata/contentType" xmlns:ma="http://schemas.microsoft.com/office/2006/metadata/properties/metaAttributes" ct:_="" ma:_="" ma:contentTypeName="Document" ma:contentTypeID="0x0101009B22848A6E75B0409A42E310CF3F8F4E" ma:contentTypeVersion="4" ma:contentTypeDescription="Create a new document." ma:contentTypeScope="" ma:versionID="1f74bb98edc28091374bbc6334961465">
   <xsd:schema xmlns:xsd="http://www.w3.org/2001/XMLSchema" xmlns:xs="http://www.w3.org/2001/XMLSchema" xmlns:p="http://schemas.microsoft.com/office/2006/metadata/properties" xmlns:ns2="609121fb-01d0-49fe-b3fd-9a3e3a0646a9" xmlns:ns3="c8fb4810-c3cf-44db-bdf0-77d94482a97a" targetNamespace="http://schemas.microsoft.com/office/2006/metadata/properties" ma:root="true" ma:fieldsID="a6f6063613ae5a1e9406fd437b4bafa6" ns2:_="" ns3:_="">
     <xsd:import namespace="609121fb-01d0-49fe-b3fd-9a3e3a0646a9"/>
@@ -37407,12 +37465,6 @@
 </ct:contentTypeSchema>
 </file>
 
-<file path=customXml/item2.xml><?xml version="1.0" encoding="utf-8"?>
-<p:properties xmlns:p="http://schemas.microsoft.com/office/2006/metadata/properties" xmlns:xsi="http://www.w3.org/2001/XMLSchema-instance" xmlns:pc="http://schemas.microsoft.com/office/infopath/2007/PartnerControls">
-  <documentManagement/>
-</p:properties>
-</file>
-
 <file path=customXml/item3.xml><?xml version="1.0" encoding="utf-8"?>
 <?mso-contentType ?>
 <FormTemplates xmlns="http://schemas.microsoft.com/sharepoint/v3/contenttype/forms">
@@ -37423,6 +37475,23 @@
 </file>
 
 <file path=customXml/itemProps1.xml><?xml version="1.0" encoding="utf-8"?>
+<ds:datastoreItem xmlns:ds="http://schemas.openxmlformats.org/officeDocument/2006/customXml" ds:itemID="{D5E3C081-4081-47AD-A9A6-9F18F525DA1D}">
+  <ds:schemaRefs>
+    <ds:schemaRef ds:uri="http://schemas.microsoft.com/office/2006/metadata/properties"/>
+    <ds:schemaRef ds:uri="http://purl.org/dc/elements/1.1/"/>
+    <ds:schemaRef ds:uri="http://schemas.microsoft.com/office/2006/documentManagement/types"/>
+    <ds:schemaRef ds:uri="http://purl.org/dc/dcmitype/"/>
+    <ds:schemaRef ds:uri="609121fb-01d0-49fe-b3fd-9a3e3a0646a9"/>
+    <ds:schemaRef ds:uri="http://www.w3.org/XML/1998/namespace"/>
+    <ds:schemaRef ds:uri="http://schemas.microsoft.com/office/infopath/2007/PartnerControls"/>
+    <ds:schemaRef ds:uri="http://schemas.openxmlformats.org/package/2006/metadata/core-properties"/>
+    <ds:schemaRef ds:uri="c8fb4810-c3cf-44db-bdf0-77d94482a97a"/>
+    <ds:schemaRef ds:uri="http://purl.org/dc/terms/"/>
+  </ds:schemaRefs>
+</ds:datastoreItem>
+</file>
+
+<file path=customXml/itemProps2.xml><?xml version="1.0" encoding="utf-8"?>
 <ds:datastoreItem xmlns:ds="http://schemas.openxmlformats.org/officeDocument/2006/customXml" ds:itemID="{6677C09E-2BB8-488C-BA40-96552CF4F99A}">
   <ds:schemaRefs>
     <ds:schemaRef ds:uri="http://schemas.microsoft.com/office/2006/metadata/contentType"/>
@@ -37441,23 +37510,6 @@
 </ds:datastoreItem>
 </file>
 
-<file path=customXml/itemProps2.xml><?xml version="1.0" encoding="utf-8"?>
-<ds:datastoreItem xmlns:ds="http://schemas.openxmlformats.org/officeDocument/2006/customXml" ds:itemID="{D5E3C081-4081-47AD-A9A6-9F18F525DA1D}">
-  <ds:schemaRefs>
-    <ds:schemaRef ds:uri="http://schemas.microsoft.com/office/2006/metadata/properties"/>
-    <ds:schemaRef ds:uri="http://purl.org/dc/elements/1.1/"/>
-    <ds:schemaRef ds:uri="http://schemas.microsoft.com/office/2006/documentManagement/types"/>
-    <ds:schemaRef ds:uri="http://purl.org/dc/dcmitype/"/>
-    <ds:schemaRef ds:uri="609121fb-01d0-49fe-b3fd-9a3e3a0646a9"/>
-    <ds:schemaRef ds:uri="http://www.w3.org/XML/1998/namespace"/>
-    <ds:schemaRef ds:uri="http://schemas.microsoft.com/office/infopath/2007/PartnerControls"/>
-    <ds:schemaRef ds:uri="http://schemas.openxmlformats.org/package/2006/metadata/core-properties"/>
-    <ds:schemaRef ds:uri="c8fb4810-c3cf-44db-bdf0-77d94482a97a"/>
-    <ds:schemaRef ds:uri="http://purl.org/dc/terms/"/>
-  </ds:schemaRefs>
-</ds:datastoreItem>
-</file>
-
 <file path=customXml/itemProps3.xml><?xml version="1.0" encoding="utf-8"?>
 <ds:datastoreItem xmlns:ds="http://schemas.openxmlformats.org/officeDocument/2006/customXml" ds:itemID="{14883F0F-DE57-4ECA-B9BB-F22E8C5B5D82}">
   <ds:schemaRefs>
